--- a/ddd-fp-cant-be-friends.pptx
+++ b/ddd-fp-cant-be-friends.pptx
@@ -5,21 +5,23 @@
     <p:sldMasterId id="2147483648" r:id="rId1"/>
   </p:sldMasterIdLst>
   <p:notesMasterIdLst>
-    <p:notesMasterId r:id="rId14"/>
+    <p:notesMasterId r:id="rId16"/>
   </p:notesMasterIdLst>
   <p:sldIdLst>
     <p:sldId id="256" r:id="rId2"/>
     <p:sldId id="449" r:id="rId3"/>
     <p:sldId id="442" r:id="rId4"/>
     <p:sldId id="440" r:id="rId5"/>
-    <p:sldId id="441" r:id="rId6"/>
-    <p:sldId id="443" r:id="rId7"/>
-    <p:sldId id="444" r:id="rId8"/>
-    <p:sldId id="445" r:id="rId9"/>
-    <p:sldId id="446" r:id="rId10"/>
-    <p:sldId id="450" r:id="rId11"/>
-    <p:sldId id="439" r:id="rId12"/>
-    <p:sldId id="448" r:id="rId13"/>
+    <p:sldId id="452" r:id="rId6"/>
+    <p:sldId id="441" r:id="rId7"/>
+    <p:sldId id="443" r:id="rId8"/>
+    <p:sldId id="444" r:id="rId9"/>
+    <p:sldId id="445" r:id="rId10"/>
+    <p:sldId id="446" r:id="rId11"/>
+    <p:sldId id="450" r:id="rId12"/>
+    <p:sldId id="451" r:id="rId13"/>
+    <p:sldId id="439" r:id="rId14"/>
+    <p:sldId id="448" r:id="rId15"/>
   </p:sldIdLst>
   <p:sldSz cx="9144000" cy="6858000" type="screen4x3"/>
   <p:notesSz cx="6858000" cy="9144000"/>
@@ -127,12 +129,14 @@
             <p14:sldId id="449"/>
             <p14:sldId id="442"/>
             <p14:sldId id="440"/>
+            <p14:sldId id="452"/>
             <p14:sldId id="441"/>
             <p14:sldId id="443"/>
             <p14:sldId id="444"/>
             <p14:sldId id="445"/>
             <p14:sldId id="446"/>
             <p14:sldId id="450"/>
+            <p14:sldId id="451"/>
             <p14:sldId id="439"/>
             <p14:sldId id="448"/>
           </p14:sldIdLst>
@@ -241,7 +245,7 @@
           </a:lstStyle>
           <a:p>
             <a:fld id="{68D8FC40-45D7-E54E-9FA2-9DB57B04171A}" type="datetimeFigureOut">
-              <a:t>14.05.23</a:t>
+              <a:t>15.05.23</a:t>
             </a:fld>
             <a:endParaRPr lang="en-US"/>
           </a:p>
@@ -842,7 +846,7 @@
           <a:lstStyle/>
           <a:p>
             <a:fld id="{BE738319-D2B4-D340-8E11-B6CB1584BF34}" type="slidenum">
-              <a:t>11</a:t>
+              <a:t>13</a:t>
             </a:fld>
             <a:endParaRPr lang="en-US"/>
           </a:p>
@@ -926,7 +930,7 @@
           <a:p>
             <a:fld id="{D27F9AF4-99BD-704C-A634-BD68D2954485}" type="slidenum">
               <a:rPr lang="en-DE"/>
-              <a:t>12</a:t>
+              <a:t>14</a:t>
             </a:fld>
             <a:endParaRPr lang="en-DE"/>
           </a:p>
@@ -1125,7 +1129,7 @@
           <a:lstStyle/>
           <a:p>
             <a:fld id="{4D4C64F2-05CA-A543-9E1D-00043D5FFC16}" type="datetimeFigureOut">
-              <a:t>14.05.23</a:t>
+              <a:t>15.05.23</a:t>
             </a:fld>
             <a:endParaRPr lang="en-US"/>
           </a:p>
@@ -1293,7 +1297,7 @@
           <a:lstStyle/>
           <a:p>
             <a:fld id="{4D4C64F2-05CA-A543-9E1D-00043D5FFC16}" type="datetimeFigureOut">
-              <a:t>14.05.23</a:t>
+              <a:t>15.05.23</a:t>
             </a:fld>
             <a:endParaRPr lang="en-US"/>
           </a:p>
@@ -1471,7 +1475,7 @@
           <a:lstStyle/>
           <a:p>
             <a:fld id="{4D4C64F2-05CA-A543-9E1D-00043D5FFC16}" type="datetimeFigureOut">
-              <a:t>14.05.23</a:t>
+              <a:t>15.05.23</a:t>
             </a:fld>
             <a:endParaRPr lang="en-US"/>
           </a:p>
@@ -1639,7 +1643,7 @@
           <a:lstStyle/>
           <a:p>
             <a:fld id="{4D4C64F2-05CA-A543-9E1D-00043D5FFC16}" type="datetimeFigureOut">
-              <a:t>14.05.23</a:t>
+              <a:t>15.05.23</a:t>
             </a:fld>
             <a:endParaRPr lang="en-US"/>
           </a:p>
@@ -1883,7 +1887,7 @@
           <a:lstStyle/>
           <a:p>
             <a:fld id="{4D4C64F2-05CA-A543-9E1D-00043D5FFC16}" type="datetimeFigureOut">
-              <a:t>14.05.23</a:t>
+              <a:t>15.05.23</a:t>
             </a:fld>
             <a:endParaRPr lang="en-US"/>
           </a:p>
@@ -2169,7 +2173,7 @@
           <a:lstStyle/>
           <a:p>
             <a:fld id="{4D4C64F2-05CA-A543-9E1D-00043D5FFC16}" type="datetimeFigureOut">
-              <a:t>14.05.23</a:t>
+              <a:t>15.05.23</a:t>
             </a:fld>
             <a:endParaRPr lang="en-US"/>
           </a:p>
@@ -2589,7 +2593,7 @@
           <a:lstStyle/>
           <a:p>
             <a:fld id="{4D4C64F2-05CA-A543-9E1D-00043D5FFC16}" type="datetimeFigureOut">
-              <a:t>14.05.23</a:t>
+              <a:t>15.05.23</a:t>
             </a:fld>
             <a:endParaRPr lang="en-US"/>
           </a:p>
@@ -2705,7 +2709,7 @@
           <a:lstStyle/>
           <a:p>
             <a:fld id="{4D4C64F2-05CA-A543-9E1D-00043D5FFC16}" type="datetimeFigureOut">
-              <a:t>14.05.23</a:t>
+              <a:t>15.05.23</a:t>
             </a:fld>
             <a:endParaRPr lang="en-US"/>
           </a:p>
@@ -2798,7 +2802,7 @@
           <a:lstStyle/>
           <a:p>
             <a:fld id="{4D4C64F2-05CA-A543-9E1D-00043D5FFC16}" type="datetimeFigureOut">
-              <a:t>14.05.23</a:t>
+              <a:t>15.05.23</a:t>
             </a:fld>
             <a:endParaRPr lang="en-US"/>
           </a:p>
@@ -3073,7 +3077,7 @@
           <a:lstStyle/>
           <a:p>
             <a:fld id="{4D4C64F2-05CA-A543-9E1D-00043D5FFC16}" type="datetimeFigureOut">
-              <a:t>14.05.23</a:t>
+              <a:t>15.05.23</a:t>
             </a:fld>
             <a:endParaRPr lang="en-US"/>
           </a:p>
@@ -3324,7 +3328,7 @@
           <a:lstStyle/>
           <a:p>
             <a:fld id="{4D4C64F2-05CA-A543-9E1D-00043D5FFC16}" type="datetimeFigureOut">
-              <a:t>14.05.23</a:t>
+              <a:t>15.05.23</a:t>
             </a:fld>
             <a:endParaRPr lang="en-US"/>
           </a:p>
@@ -3535,7 +3539,7 @@
           </a:lstStyle>
           <a:p>
             <a:fld id="{4D4C64F2-05CA-A543-9E1D-00043D5FFC16}" type="datetimeFigureOut">
-              <a:t>14.05.23</a:t>
+              <a:t>15.05.23</a:t>
             </a:fld>
             <a:endParaRPr lang="en-US"/>
           </a:p>
@@ -4018,7 +4022,7 @@
           <a:noFill/>
           <a:extLst>
             <a:ext uri="{909E8E84-426E-40dd-AFC4-6F175D3DCCD1}">
-              <a14:hiddenFill xmlns="" xmlns:a14="http://schemas.microsoft.com/office/drawing/2010/main">
+              <a14:hiddenFill xmlns:a14="http://schemas.microsoft.com/office/drawing/2010/main" xmlns="">
                 <a:solidFill>
                   <a:srgbClr val="FFFFFF"/>
                 </a:solidFill>
@@ -4315,6 +4319,89 @@
           <p:cNvPr id="2" name="Title 1">
             <a:extLst>
               <a:ext uri="{FF2B5EF4-FFF2-40B4-BE49-F238E27FC236}">
+                <a16:creationId xmlns:a16="http://schemas.microsoft.com/office/drawing/2014/main" id="{7320B618-A732-BB6F-B519-F0C8AA44B0CF}"/>
+              </a:ext>
+            </a:extLst>
+          </p:cNvPr>
+          <p:cNvSpPr>
+            <a:spLocks noGrp="1"/>
+          </p:cNvSpPr>
+          <p:nvPr>
+            <p:ph type="title"/>
+          </p:nvPr>
+        </p:nvSpPr>
+        <p:spPr/>
+        <p:txBody>
+          <a:bodyPr/>
+          <a:lstStyle/>
+          <a:p>
+            <a:r>
+              <a:rPr lang="en-DE"/>
+              <a:t>What Is It That We’re Modeling?</a:t>
+            </a:r>
+          </a:p>
+        </p:txBody>
+      </p:sp>
+      <p:sp>
+        <p:nvSpPr>
+          <p:cNvPr id="3" name="Content Placeholder 2">
+            <a:extLst>
+              <a:ext uri="{FF2B5EF4-FFF2-40B4-BE49-F238E27FC236}">
+                <a16:creationId xmlns:a16="http://schemas.microsoft.com/office/drawing/2014/main" id="{7AFCC9C4-B80E-0E3F-3364-B43E51AA1AA9}"/>
+              </a:ext>
+            </a:extLst>
+          </p:cNvPr>
+          <p:cNvSpPr>
+            <a:spLocks noGrp="1"/>
+          </p:cNvSpPr>
+          <p:nvPr>
+            <p:ph idx="1"/>
+          </p:nvPr>
+        </p:nvSpPr>
+        <p:spPr/>
+        <p:txBody>
+          <a:bodyPr/>
+          <a:lstStyle/>
+          <a:p>
+            <a:endParaRPr lang="en-DE"/>
+          </a:p>
+        </p:txBody>
+      </p:sp>
+    </p:spTree>
+    <p:extLst>
+      <p:ext uri="{BB962C8B-B14F-4D97-AF65-F5344CB8AC3E}">
+        <p14:creationId xmlns:p14="http://schemas.microsoft.com/office/powerpoint/2010/main" val="4001701713"/>
+      </p:ext>
+    </p:extLst>
+  </p:cSld>
+  <p:clrMapOvr>
+    <a:masterClrMapping/>
+  </p:clrMapOvr>
+</p:sld>
+</file>
+
+<file path=ppt/slides/slide11.xml><?xml version="1.0" encoding="utf-8"?>
+<p:sld xmlns:a="http://schemas.openxmlformats.org/drawingml/2006/main" xmlns:r="http://schemas.openxmlformats.org/officeDocument/2006/relationships" xmlns:p="http://schemas.openxmlformats.org/presentationml/2006/main">
+  <p:cSld>
+    <p:spTree>
+      <p:nvGrpSpPr>
+        <p:cNvPr id="1" name=""/>
+        <p:cNvGrpSpPr/>
+        <p:nvPr/>
+      </p:nvGrpSpPr>
+      <p:grpSpPr>
+        <a:xfrm>
+          <a:off x="0" y="0"/>
+          <a:ext cx="0" cy="0"/>
+          <a:chOff x="0" y="0"/>
+          <a:chExt cx="0" cy="0"/>
+        </a:xfrm>
+      </p:grpSpPr>
+      <p:sp>
+        <p:nvSpPr>
+          <p:cNvPr id="2" name="Title 1">
+            <a:extLst>
+              <a:ext uri="{FF2B5EF4-FFF2-40B4-BE49-F238E27FC236}">
                 <a16:creationId xmlns:a16="http://schemas.microsoft.com/office/drawing/2014/main" id="{18DEE4DC-B144-D21A-99AA-D91F89AB75EE}"/>
               </a:ext>
             </a:extLst>
@@ -4376,7 +4463,264 @@
 </p:sld>
 </file>
 
-<file path=ppt/slides/slide11.xml><?xml version="1.0" encoding="utf-8"?>
+<file path=ppt/slides/slide12.xml><?xml version="1.0" encoding="utf-8"?>
+<p:sld xmlns:a="http://schemas.openxmlformats.org/drawingml/2006/main" xmlns:r="http://schemas.openxmlformats.org/officeDocument/2006/relationships" xmlns:p="http://schemas.openxmlformats.org/presentationml/2006/main">
+  <p:cSld>
+    <p:spTree>
+      <p:nvGrpSpPr>
+        <p:cNvPr id="1" name=""/>
+        <p:cNvGrpSpPr/>
+        <p:nvPr/>
+      </p:nvGrpSpPr>
+      <p:grpSpPr>
+        <a:xfrm>
+          <a:off x="0" y="0"/>
+          <a:ext cx="0" cy="0"/>
+          <a:chOff x="0" y="0"/>
+          <a:chExt cx="0" cy="0"/>
+        </a:xfrm>
+      </p:grpSpPr>
+      <p:sp>
+        <p:nvSpPr>
+          <p:cNvPr id="4" name="Title 3">
+            <a:extLst>
+              <a:ext uri="{FF2B5EF4-FFF2-40B4-BE49-F238E27FC236}">
+                <a16:creationId xmlns:a16="http://schemas.microsoft.com/office/drawing/2014/main" id="{23ADA9B8-0A32-6B10-FFCC-F9B9364CF106}"/>
+              </a:ext>
+            </a:extLst>
+          </p:cNvPr>
+          <p:cNvSpPr>
+            <a:spLocks noGrp="1"/>
+          </p:cNvSpPr>
+          <p:nvPr>
+            <p:ph type="title"/>
+          </p:nvPr>
+        </p:nvSpPr>
+        <p:spPr/>
+        <p:txBody>
+          <a:bodyPr/>
+          <a:lstStyle/>
+          <a:p>
+            <a:r>
+              <a:rPr lang="en-DE"/>
+              <a:t>Not Friends, Yet</a:t>
+            </a:r>
+          </a:p>
+        </p:txBody>
+      </p:sp>
+      <p:sp>
+        <p:nvSpPr>
+          <p:cNvPr id="5" name="Text Placeholder 4">
+            <a:extLst>
+              <a:ext uri="{FF2B5EF4-FFF2-40B4-BE49-F238E27FC236}">
+                <a16:creationId xmlns:a16="http://schemas.microsoft.com/office/drawing/2014/main" id="{9AFD2297-1421-066F-9FF1-25C203FD5055}"/>
+              </a:ext>
+            </a:extLst>
+          </p:cNvPr>
+          <p:cNvSpPr>
+            <a:spLocks noGrp="1"/>
+          </p:cNvSpPr>
+          <p:nvPr>
+            <p:ph type="body" idx="1"/>
+          </p:nvPr>
+        </p:nvSpPr>
+        <p:spPr/>
+        <p:txBody>
+          <a:bodyPr/>
+          <a:lstStyle/>
+          <a:p>
+            <a:r>
+              <a:rPr lang="en-DE"/>
+              <a:t>DDD Henning</a:t>
+            </a:r>
+          </a:p>
+        </p:txBody>
+      </p:sp>
+      <p:sp>
+        <p:nvSpPr>
+          <p:cNvPr id="6" name="Content Placeholder 5">
+            <a:extLst>
+              <a:ext uri="{FF2B5EF4-FFF2-40B4-BE49-F238E27FC236}">
+                <a16:creationId xmlns:a16="http://schemas.microsoft.com/office/drawing/2014/main" id="{01AC1F62-78CB-75D0-CE6A-9611C314C2F7}"/>
+              </a:ext>
+            </a:extLst>
+          </p:cNvPr>
+          <p:cNvSpPr>
+            <a:spLocks noGrp="1"/>
+          </p:cNvSpPr>
+          <p:nvPr>
+            <p:ph sz="half" idx="2"/>
+          </p:nvPr>
+        </p:nvSpPr>
+        <p:spPr>
+          <a:ln>
+            <a:solidFill>
+              <a:schemeClr val="accent1"/>
+            </a:solidFill>
+          </a:ln>
+        </p:spPr>
+        <p:txBody>
+          <a:bodyPr/>
+          <a:lstStyle/>
+          <a:p>
+            <a:r>
+              <a:rPr lang="en-DE"/>
+              <a:t>Domain Storytelling</a:t>
+            </a:r>
+            <a:br>
+              <a:rPr lang="en-DE"/>
+            </a:br>
+            <a:r>
+              <a:rPr lang="en-DE" b="1"/>
+              <a:t>Processes</a:t>
+            </a:r>
+          </a:p>
+          <a:p>
+            <a:r>
+              <a:rPr lang="en-DE"/>
+              <a:t>Context Mapping</a:t>
+            </a:r>
+          </a:p>
+          <a:p>
+            <a:r>
+              <a:rPr lang="en-DE"/>
+              <a:t>BDD</a:t>
+            </a:r>
+            <a:br>
+              <a:rPr lang="en-DE"/>
+            </a:br>
+            <a:r>
+              <a:rPr lang="en-DE" b="1"/>
+              <a:t>Operation Signatures</a:t>
+            </a:r>
+            <a:endParaRPr lang="en-DE"/>
+          </a:p>
+          <a:p>
+            <a:r>
+              <a:rPr lang="en-DE"/>
+              <a:t>TDD</a:t>
+            </a:r>
+            <a:br>
+              <a:rPr lang="en-DE"/>
+            </a:br>
+            <a:r>
+              <a:rPr lang="en-DE" b="1"/>
+              <a:t>Test Cases &amp; Functions</a:t>
+            </a:r>
+            <a:endParaRPr lang="en-DE"/>
+          </a:p>
+        </p:txBody>
+      </p:sp>
+      <p:sp>
+        <p:nvSpPr>
+          <p:cNvPr id="7" name="Text Placeholder 6">
+            <a:extLst>
+              <a:ext uri="{FF2B5EF4-FFF2-40B4-BE49-F238E27FC236}">
+                <a16:creationId xmlns:a16="http://schemas.microsoft.com/office/drawing/2014/main" id="{56DA1A24-8E4E-3B59-002A-7B1751A43A0F}"/>
+              </a:ext>
+            </a:extLst>
+          </p:cNvPr>
+          <p:cNvSpPr>
+            <a:spLocks noGrp="1"/>
+          </p:cNvSpPr>
+          <p:nvPr>
+            <p:ph type="body" sz="quarter" idx="3"/>
+          </p:nvPr>
+        </p:nvSpPr>
+        <p:spPr/>
+        <p:txBody>
+          <a:bodyPr/>
+          <a:lstStyle/>
+          <a:p>
+            <a:r>
+              <a:rPr lang="en-DE"/>
+              <a:t>FP Mike</a:t>
+            </a:r>
+          </a:p>
+        </p:txBody>
+      </p:sp>
+      <p:sp>
+        <p:nvSpPr>
+          <p:cNvPr id="8" name="Content Placeholder 7">
+            <a:extLst>
+              <a:ext uri="{FF2B5EF4-FFF2-40B4-BE49-F238E27FC236}">
+                <a16:creationId xmlns:a16="http://schemas.microsoft.com/office/drawing/2014/main" id="{B8D83E7B-F89E-27AE-2C7F-FB18727F1AC0}"/>
+              </a:ext>
+            </a:extLst>
+          </p:cNvPr>
+          <p:cNvSpPr>
+            <a:spLocks noGrp="1"/>
+          </p:cNvSpPr>
+          <p:nvPr>
+            <p:ph sz="quarter" idx="4"/>
+          </p:nvPr>
+        </p:nvSpPr>
+        <p:spPr>
+          <a:ln>
+            <a:solidFill>
+              <a:schemeClr val="accent1"/>
+            </a:solidFill>
+          </a:ln>
+        </p:spPr>
+        <p:txBody>
+          <a:bodyPr/>
+          <a:lstStyle/>
+          <a:p>
+            <a:r>
+              <a:rPr lang="en-DE"/>
+              <a:t>Design Recipes</a:t>
+            </a:r>
+            <a:br>
+              <a:rPr lang="en-DE" b="1"/>
+            </a:br>
+            <a:r>
+              <a:rPr lang="en-DE" b="1"/>
+              <a:t>Data Analysis</a:t>
+            </a:r>
+          </a:p>
+          <a:p>
+            <a:r>
+              <a:rPr lang="en-DE"/>
+              <a:t>Design Recipes</a:t>
+            </a:r>
+            <a:br>
+              <a:rPr lang="en-DE"/>
+            </a:br>
+            <a:r>
+              <a:rPr lang="en-DE" b="1"/>
+              <a:t>Functions</a:t>
+            </a:r>
+          </a:p>
+          <a:p>
+            <a:r>
+              <a:rPr lang="en-DE"/>
+              <a:t>Abstraction</a:t>
+            </a:r>
+            <a:br>
+              <a:rPr lang="en-DE"/>
+            </a:br>
+            <a:r>
+              <a:rPr lang="en-DE" b="1"/>
+              <a:t>Types</a:t>
+            </a:r>
+            <a:endParaRPr lang="en-DE"/>
+          </a:p>
+        </p:txBody>
+      </p:sp>
+    </p:spTree>
+    <p:extLst>
+      <p:ext uri="{BB962C8B-B14F-4D97-AF65-F5344CB8AC3E}">
+        <p14:creationId xmlns:p14="http://schemas.microsoft.com/office/powerpoint/2010/main" val="726573564"/>
+      </p:ext>
+    </p:extLst>
+  </p:cSld>
+  <p:clrMapOvr>
+    <a:masterClrMapping/>
+  </p:clrMapOvr>
+</p:sld>
+</file>
+
+<file path=ppt/slides/slide13.xml><?xml version="1.0" encoding="utf-8"?>
 <p:sld xmlns:a="http://schemas.openxmlformats.org/drawingml/2006/main" xmlns:r="http://schemas.openxmlformats.org/officeDocument/2006/relationships" xmlns:p="http://schemas.openxmlformats.org/presentationml/2006/main">
   <p:cSld>
     <p:spTree>
@@ -4521,7 +4865,7 @@
 </p:sld>
 </file>
 
-<file path=ppt/slides/slide12.xml><?xml version="1.0" encoding="utf-8"?>
+<file path=ppt/slides/slide14.xml><?xml version="1.0" encoding="utf-8"?>
 <p:sld xmlns:a="http://schemas.openxmlformats.org/drawingml/2006/main" xmlns:r="http://schemas.openxmlformats.org/officeDocument/2006/relationships" xmlns:p="http://schemas.openxmlformats.org/presentationml/2006/main">
   <p:cSld>
     <p:spTree>
@@ -5414,6 +5758,342 @@
           <p:cNvPr id="2" name="Title 1">
             <a:extLst>
               <a:ext uri="{FF2B5EF4-FFF2-40B4-BE49-F238E27FC236}">
+                <a16:creationId xmlns:a16="http://schemas.microsoft.com/office/drawing/2014/main" id="{37F2602E-4C74-5B55-2CDF-57F89AC6D843}"/>
+              </a:ext>
+            </a:extLst>
+          </p:cNvPr>
+          <p:cNvSpPr>
+            <a:spLocks noGrp="1"/>
+          </p:cNvSpPr>
+          <p:nvPr>
+            <p:ph type="title"/>
+          </p:nvPr>
+        </p:nvSpPr>
+        <p:spPr/>
+        <p:txBody>
+          <a:bodyPr/>
+          <a:lstStyle/>
+          <a:p>
+            <a:r>
+              <a:rPr lang="en-DE"/>
+              <a:t>States</a:t>
+            </a:r>
+          </a:p>
+        </p:txBody>
+      </p:sp>
+      <p:sp>
+        <p:nvSpPr>
+          <p:cNvPr id="3" name="Oval 2">
+            <a:extLst>
+              <a:ext uri="{FF2B5EF4-FFF2-40B4-BE49-F238E27FC236}">
+                <a16:creationId xmlns:a16="http://schemas.microsoft.com/office/drawing/2014/main" id="{0534B205-3F6C-ED42-8A73-6F50B7A74E96}"/>
+              </a:ext>
+            </a:extLst>
+          </p:cNvPr>
+          <p:cNvSpPr/>
+          <p:nvPr/>
+        </p:nvSpPr>
+        <p:spPr>
+          <a:xfrm>
+            <a:off x="457200" y="1738008"/>
+            <a:ext cx="2049294" cy="2049294"/>
+          </a:xfrm>
+          <a:prstGeom prst="ellipse">
+            <a:avLst/>
+          </a:prstGeom>
+        </p:spPr>
+        <p:style>
+          <a:lnRef idx="1">
+            <a:schemeClr val="accent1"/>
+          </a:lnRef>
+          <a:fillRef idx="3">
+            <a:schemeClr val="accent1"/>
+          </a:fillRef>
+          <a:effectRef idx="2">
+            <a:schemeClr val="accent1"/>
+          </a:effectRef>
+          <a:fontRef idx="minor">
+            <a:schemeClr val="lt1"/>
+          </a:fontRef>
+        </p:style>
+        <p:txBody>
+          <a:bodyPr rtlCol="0" anchor="ctr"/>
+          <a:lstStyle/>
+          <a:p>
+            <a:pPr algn="ctr"/>
+            <a:r>
+              <a:rPr lang="en-DE"/>
+              <a:t>Draft Cart</a:t>
+            </a:r>
+          </a:p>
+        </p:txBody>
+      </p:sp>
+      <p:sp>
+        <p:nvSpPr>
+          <p:cNvPr id="4" name="Oval 3">
+            <a:extLst>
+              <a:ext uri="{FF2B5EF4-FFF2-40B4-BE49-F238E27FC236}">
+                <a16:creationId xmlns:a16="http://schemas.microsoft.com/office/drawing/2014/main" id="{232C9AB7-BE49-1DAC-A675-3D10CC3C452C}"/>
+              </a:ext>
+            </a:extLst>
+          </p:cNvPr>
+          <p:cNvSpPr/>
+          <p:nvPr/>
+        </p:nvSpPr>
+        <p:spPr>
+          <a:xfrm>
+            <a:off x="3124200" y="1738008"/>
+            <a:ext cx="2049294" cy="2049294"/>
+          </a:xfrm>
+          <a:prstGeom prst="ellipse">
+            <a:avLst/>
+          </a:prstGeom>
+        </p:spPr>
+        <p:style>
+          <a:lnRef idx="1">
+            <a:schemeClr val="accent1"/>
+          </a:lnRef>
+          <a:fillRef idx="3">
+            <a:schemeClr val="accent1"/>
+          </a:fillRef>
+          <a:effectRef idx="2">
+            <a:schemeClr val="accent1"/>
+          </a:effectRef>
+          <a:fontRef idx="minor">
+            <a:schemeClr val="lt1"/>
+          </a:fontRef>
+        </p:style>
+        <p:txBody>
+          <a:bodyPr rtlCol="0" anchor="ctr"/>
+          <a:lstStyle/>
+          <a:p>
+            <a:pPr algn="ctr"/>
+            <a:r>
+              <a:rPr lang="en-DE"/>
+              <a:t>Checkout-Ready</a:t>
+            </a:r>
+            <a:br>
+              <a:rPr lang="en-DE"/>
+            </a:br>
+            <a:r>
+              <a:rPr lang="en-DE"/>
+              <a:t>Cart</a:t>
+            </a:r>
+          </a:p>
+        </p:txBody>
+      </p:sp>
+      <p:sp>
+        <p:nvSpPr>
+          <p:cNvPr id="5" name="Oval 4">
+            <a:extLst>
+              <a:ext uri="{FF2B5EF4-FFF2-40B4-BE49-F238E27FC236}">
+                <a16:creationId xmlns:a16="http://schemas.microsoft.com/office/drawing/2014/main" id="{480AE892-2185-213A-0CBC-FE41B1D4BBDC}"/>
+              </a:ext>
+            </a:extLst>
+          </p:cNvPr>
+          <p:cNvSpPr/>
+          <p:nvPr/>
+        </p:nvSpPr>
+        <p:spPr>
+          <a:xfrm>
+            <a:off x="5791200" y="1738008"/>
+            <a:ext cx="2049294" cy="2049294"/>
+          </a:xfrm>
+          <a:prstGeom prst="ellipse">
+            <a:avLst/>
+          </a:prstGeom>
+        </p:spPr>
+        <p:style>
+          <a:lnRef idx="1">
+            <a:schemeClr val="accent1"/>
+          </a:lnRef>
+          <a:fillRef idx="3">
+            <a:schemeClr val="accent1"/>
+          </a:fillRef>
+          <a:effectRef idx="2">
+            <a:schemeClr val="accent1"/>
+          </a:effectRef>
+          <a:fontRef idx="minor">
+            <a:schemeClr val="lt1"/>
+          </a:fontRef>
+        </p:style>
+        <p:txBody>
+          <a:bodyPr rtlCol="0" anchor="ctr"/>
+          <a:lstStyle/>
+          <a:p>
+            <a:pPr algn="ctr"/>
+            <a:r>
+              <a:rPr lang="en-DE"/>
+              <a:t>Checked-OutCart</a:t>
+            </a:r>
+          </a:p>
+        </p:txBody>
+      </p:sp>
+      <p:cxnSp>
+        <p:nvCxnSpPr>
+          <p:cNvPr id="7" name="Curved Connector 6">
+            <a:extLst>
+              <a:ext uri="{FF2B5EF4-FFF2-40B4-BE49-F238E27FC236}">
+                <a16:creationId xmlns:a16="http://schemas.microsoft.com/office/drawing/2014/main" id="{34A2D7BB-5620-17D0-D1DF-EA30975DD3A7}"/>
+              </a:ext>
+            </a:extLst>
+          </p:cNvPr>
+          <p:cNvCxnSpPr>
+            <a:cxnSpLocks/>
+            <a:stCxn id="3" idx="0"/>
+            <a:endCxn id="4" idx="0"/>
+          </p:cNvCxnSpPr>
+          <p:nvPr/>
+        </p:nvCxnSpPr>
+        <p:spPr>
+          <a:xfrm rot="5400000" flipH="1" flipV="1">
+            <a:off x="2815347" y="404508"/>
+            <a:ext cx="12700" cy="2667000"/>
+          </a:xfrm>
+          <a:prstGeom prst="curvedConnector3">
+            <a:avLst>
+              <a:gd name="adj1" fmla="val 1800000"/>
+            </a:avLst>
+          </a:prstGeom>
+          <a:ln>
+            <a:tailEnd type="triangle"/>
+          </a:ln>
+        </p:spPr>
+        <p:style>
+          <a:lnRef idx="2">
+            <a:schemeClr val="accent1"/>
+          </a:lnRef>
+          <a:fillRef idx="0">
+            <a:schemeClr val="accent1"/>
+          </a:fillRef>
+          <a:effectRef idx="1">
+            <a:schemeClr val="accent1"/>
+          </a:effectRef>
+          <a:fontRef idx="minor">
+            <a:schemeClr val="tx1"/>
+          </a:fontRef>
+        </p:style>
+      </p:cxnSp>
+      <p:cxnSp>
+        <p:nvCxnSpPr>
+          <p:cNvPr id="11" name="Curved Connector 10">
+            <a:extLst>
+              <a:ext uri="{FF2B5EF4-FFF2-40B4-BE49-F238E27FC236}">
+                <a16:creationId xmlns:a16="http://schemas.microsoft.com/office/drawing/2014/main" id="{8EAE9C02-261E-C7C3-3350-23E882B7CC28}"/>
+              </a:ext>
+            </a:extLst>
+          </p:cNvPr>
+          <p:cNvCxnSpPr>
+            <a:stCxn id="4" idx="4"/>
+            <a:endCxn id="3" idx="4"/>
+          </p:cNvCxnSpPr>
+          <p:nvPr/>
+        </p:nvCxnSpPr>
+        <p:spPr>
+          <a:xfrm rot="5400000">
+            <a:off x="2815347" y="2453802"/>
+            <a:ext cx="12700" cy="2667000"/>
+          </a:xfrm>
+          <a:prstGeom prst="curvedConnector3">
+            <a:avLst>
+              <a:gd name="adj1" fmla="val 1800000"/>
+            </a:avLst>
+          </a:prstGeom>
+          <a:ln>
+            <a:tailEnd type="triangle"/>
+          </a:ln>
+        </p:spPr>
+        <p:style>
+          <a:lnRef idx="2">
+            <a:schemeClr val="accent1"/>
+          </a:lnRef>
+          <a:fillRef idx="0">
+            <a:schemeClr val="accent1"/>
+          </a:fillRef>
+          <a:effectRef idx="1">
+            <a:schemeClr val="accent1"/>
+          </a:effectRef>
+          <a:fontRef idx="minor">
+            <a:schemeClr val="tx1"/>
+          </a:fontRef>
+        </p:style>
+      </p:cxnSp>
+      <p:cxnSp>
+        <p:nvCxnSpPr>
+          <p:cNvPr id="13" name="Straight Arrow Connector 12">
+            <a:extLst>
+              <a:ext uri="{FF2B5EF4-FFF2-40B4-BE49-F238E27FC236}">
+                <a16:creationId xmlns:a16="http://schemas.microsoft.com/office/drawing/2014/main" id="{6068589B-1DFC-53CF-15D7-0D3459E85453}"/>
+              </a:ext>
+            </a:extLst>
+          </p:cNvPr>
+          <p:cNvCxnSpPr>
+            <a:endCxn id="5" idx="2"/>
+          </p:cNvCxnSpPr>
+          <p:nvPr/>
+        </p:nvCxnSpPr>
+        <p:spPr>
+          <a:xfrm>
+            <a:off x="5173494" y="2762655"/>
+            <a:ext cx="617706" cy="0"/>
+          </a:xfrm>
+          <a:prstGeom prst="straightConnector1">
+            <a:avLst/>
+          </a:prstGeom>
+          <a:ln>
+            <a:tailEnd type="triangle"/>
+          </a:ln>
+        </p:spPr>
+        <p:style>
+          <a:lnRef idx="2">
+            <a:schemeClr val="accent1"/>
+          </a:lnRef>
+          <a:fillRef idx="0">
+            <a:schemeClr val="accent1"/>
+          </a:fillRef>
+          <a:effectRef idx="1">
+            <a:schemeClr val="accent1"/>
+          </a:effectRef>
+          <a:fontRef idx="minor">
+            <a:schemeClr val="tx1"/>
+          </a:fontRef>
+        </p:style>
+      </p:cxnSp>
+    </p:spTree>
+    <p:extLst>
+      <p:ext uri="{BB962C8B-B14F-4D97-AF65-F5344CB8AC3E}">
+        <p14:creationId xmlns:p14="http://schemas.microsoft.com/office/powerpoint/2010/main" val="2189216971"/>
+      </p:ext>
+    </p:extLst>
+  </p:cSld>
+  <p:clrMapOvr>
+    <a:masterClrMapping/>
+  </p:clrMapOvr>
+</p:sld>
+</file>
+
+<file path=ppt/slides/slide6.xml><?xml version="1.0" encoding="utf-8"?>
+<p:sld xmlns:a="http://schemas.openxmlformats.org/drawingml/2006/main" xmlns:r="http://schemas.openxmlformats.org/officeDocument/2006/relationships" xmlns:p="http://schemas.openxmlformats.org/presentationml/2006/main">
+  <p:cSld>
+    <p:spTree>
+      <p:nvGrpSpPr>
+        <p:cNvPr id="1" name=""/>
+        <p:cNvGrpSpPr/>
+        <p:nvPr/>
+      </p:nvGrpSpPr>
+      <p:grpSpPr>
+        <a:xfrm>
+          <a:off x="0" y="0"/>
+          <a:ext cx="0" cy="0"/>
+          <a:chOff x="0" y="0"/>
+          <a:chExt cx="0" cy="0"/>
+        </a:xfrm>
+      </p:grpSpPr>
+      <p:sp>
+        <p:nvSpPr>
+          <p:cNvPr id="2" name="Title 1">
+            <a:extLst>
+              <a:ext uri="{FF2B5EF4-FFF2-40B4-BE49-F238E27FC236}">
                 <a16:creationId xmlns:a16="http://schemas.microsoft.com/office/drawing/2014/main" id="{814D0655-BEEF-41CD-CDDF-8F5AF02B1195}"/>
               </a:ext>
             </a:extLst>
@@ -5475,7 +6155,7 @@
 </p:sld>
 </file>
 
-<file path=ppt/slides/slide6.xml><?xml version="1.0" encoding="utf-8"?>
+<file path=ppt/slides/slide7.xml><?xml version="1.0" encoding="utf-8"?>
 <p:sld xmlns:a="http://schemas.openxmlformats.org/drawingml/2006/main" xmlns:r="http://schemas.openxmlformats.org/officeDocument/2006/relationships" xmlns:p="http://schemas.openxmlformats.org/presentationml/2006/main">
   <p:cSld>
     <p:spTree>
@@ -5704,7 +6384,7 @@
 </p:sld>
 </file>
 
-<file path=ppt/slides/slide7.xml><?xml version="1.0" encoding="utf-8"?>
+<file path=ppt/slides/slide8.xml><?xml version="1.0" encoding="utf-8"?>
 <p:sld xmlns:a="http://schemas.openxmlformats.org/drawingml/2006/main" xmlns:r="http://schemas.openxmlformats.org/officeDocument/2006/relationships" xmlns:p="http://schemas.openxmlformats.org/presentationml/2006/main">
   <p:cSld>
     <p:spTree>
@@ -5787,7 +6467,7 @@
 </p:sld>
 </file>
 
-<file path=ppt/slides/slide8.xml><?xml version="1.0" encoding="utf-8"?>
+<file path=ppt/slides/slide9.xml><?xml version="1.0" encoding="utf-8"?>
 <p:sld xmlns:a="http://schemas.openxmlformats.org/drawingml/2006/main" xmlns:r="http://schemas.openxmlformats.org/officeDocument/2006/relationships" xmlns:p="http://schemas.openxmlformats.org/presentationml/2006/main">
   <p:cSld>
     <p:spTree>
@@ -5896,89 +6576,6 @@
     <p:extLst>
       <p:ext uri="{BB962C8B-B14F-4D97-AF65-F5344CB8AC3E}">
         <p14:creationId xmlns:p14="http://schemas.microsoft.com/office/powerpoint/2010/main" val="3514934488"/>
-      </p:ext>
-    </p:extLst>
-  </p:cSld>
-  <p:clrMapOvr>
-    <a:masterClrMapping/>
-  </p:clrMapOvr>
-</p:sld>
-</file>
-
-<file path=ppt/slides/slide9.xml><?xml version="1.0" encoding="utf-8"?>
-<p:sld xmlns:a="http://schemas.openxmlformats.org/drawingml/2006/main" xmlns:r="http://schemas.openxmlformats.org/officeDocument/2006/relationships" xmlns:p="http://schemas.openxmlformats.org/presentationml/2006/main">
-  <p:cSld>
-    <p:spTree>
-      <p:nvGrpSpPr>
-        <p:cNvPr id="1" name=""/>
-        <p:cNvGrpSpPr/>
-        <p:nvPr/>
-      </p:nvGrpSpPr>
-      <p:grpSpPr>
-        <a:xfrm>
-          <a:off x="0" y="0"/>
-          <a:ext cx="0" cy="0"/>
-          <a:chOff x="0" y="0"/>
-          <a:chExt cx="0" cy="0"/>
-        </a:xfrm>
-      </p:grpSpPr>
-      <p:sp>
-        <p:nvSpPr>
-          <p:cNvPr id="2" name="Title 1">
-            <a:extLst>
-              <a:ext uri="{FF2B5EF4-FFF2-40B4-BE49-F238E27FC236}">
-                <a16:creationId xmlns:a16="http://schemas.microsoft.com/office/drawing/2014/main" id="{7320B618-A732-BB6F-B519-F0C8AA44B0CF}"/>
-              </a:ext>
-            </a:extLst>
-          </p:cNvPr>
-          <p:cNvSpPr>
-            <a:spLocks noGrp="1"/>
-          </p:cNvSpPr>
-          <p:nvPr>
-            <p:ph type="title"/>
-          </p:nvPr>
-        </p:nvSpPr>
-        <p:spPr/>
-        <p:txBody>
-          <a:bodyPr/>
-          <a:lstStyle/>
-          <a:p>
-            <a:r>
-              <a:rPr lang="en-DE"/>
-              <a:t>What Is It That We’re Modeling?</a:t>
-            </a:r>
-          </a:p>
-        </p:txBody>
-      </p:sp>
-      <p:sp>
-        <p:nvSpPr>
-          <p:cNvPr id="3" name="Content Placeholder 2">
-            <a:extLst>
-              <a:ext uri="{FF2B5EF4-FFF2-40B4-BE49-F238E27FC236}">
-                <a16:creationId xmlns:a16="http://schemas.microsoft.com/office/drawing/2014/main" id="{7AFCC9C4-B80E-0E3F-3364-B43E51AA1AA9}"/>
-              </a:ext>
-            </a:extLst>
-          </p:cNvPr>
-          <p:cNvSpPr>
-            <a:spLocks noGrp="1"/>
-          </p:cNvSpPr>
-          <p:nvPr>
-            <p:ph idx="1"/>
-          </p:nvPr>
-        </p:nvSpPr>
-        <p:spPr/>
-        <p:txBody>
-          <a:bodyPr/>
-          <a:lstStyle/>
-          <a:p>
-            <a:endParaRPr lang="en-DE"/>
-          </a:p>
-        </p:txBody>
-      </p:sp>
-    </p:spTree>
-    <p:extLst>
-      <p:ext uri="{BB962C8B-B14F-4D97-AF65-F5344CB8AC3E}">
-        <p14:creationId xmlns:p14="http://schemas.microsoft.com/office/powerpoint/2010/main" val="4001701713"/>
       </p:ext>
     </p:extLst>
   </p:cSld>
